--- a/Presentation.pptx
+++ b/Presentation.pptx
@@ -281,7 +281,7 @@
             <a:fld id="{B61BEF0D-F0BB-DE4B-95CE-6DB70DBA9567}" type="datetimeFigureOut">
               <a:rPr lang="en-US" smtClean="0"/>
               <a:pPr/>
-              <a:t>12/11/2016</a:t>
+              <a:t>12/12/2016</a:t>
             </a:fld>
             <a:endParaRPr lang="en-US" dirty="0"/>
           </a:p>
@@ -904,7 +904,7 @@
             <a:fld id="{B61BEF0D-F0BB-DE4B-95CE-6DB70DBA9567}" type="datetimeFigureOut">
               <a:rPr lang="en-US" smtClean="0"/>
               <a:pPr/>
-              <a:t>12/11/2016</a:t>
+              <a:t>12/12/2016</a:t>
             </a:fld>
             <a:endParaRPr lang="en-US" dirty="0"/>
           </a:p>
@@ -1154,7 +1154,7 @@
             <a:fld id="{B61BEF0D-F0BB-DE4B-95CE-6DB70DBA9567}" type="datetimeFigureOut">
               <a:rPr lang="en-US" smtClean="0"/>
               <a:pPr/>
-              <a:t>12/11/2016</a:t>
+              <a:t>12/12/2016</a:t>
             </a:fld>
             <a:endParaRPr lang="en-US" dirty="0"/>
           </a:p>
@@ -1696,7 +1696,7 @@
             <a:fld id="{B61BEF0D-F0BB-DE4B-95CE-6DB70DBA9567}" type="datetimeFigureOut">
               <a:rPr lang="en-US" smtClean="0"/>
               <a:pPr/>
-              <a:t>12/11/2016</a:t>
+              <a:t>12/12/2016</a:t>
             </a:fld>
             <a:endParaRPr lang="en-US" dirty="0"/>
           </a:p>
@@ -1946,7 +1946,7 @@
             <a:fld id="{B61BEF0D-F0BB-DE4B-95CE-6DB70DBA9567}" type="datetimeFigureOut">
               <a:rPr lang="en-US" smtClean="0"/>
               <a:pPr/>
-              <a:t>12/11/2016</a:t>
+              <a:t>12/12/2016</a:t>
             </a:fld>
             <a:endParaRPr lang="en-US" dirty="0"/>
           </a:p>
@@ -2480,7 +2480,7 @@
             <a:fld id="{B61BEF0D-F0BB-DE4B-95CE-6DB70DBA9567}" type="datetimeFigureOut">
               <a:rPr lang="en-US" smtClean="0"/>
               <a:pPr/>
-              <a:t>12/11/2016</a:t>
+              <a:t>12/12/2016</a:t>
             </a:fld>
             <a:endParaRPr lang="en-US" dirty="0"/>
           </a:p>
@@ -2779,7 +2779,7 @@
             <a:fld id="{B61BEF0D-F0BB-DE4B-95CE-6DB70DBA9567}" type="datetimeFigureOut">
               <a:rPr lang="en-US" smtClean="0"/>
               <a:pPr/>
-              <a:t>12/11/2016</a:t>
+              <a:t>12/12/2016</a:t>
             </a:fld>
             <a:endParaRPr lang="en-US" dirty="0"/>
           </a:p>
@@ -2955,7 +2955,7 @@
             <a:fld id="{B61BEF0D-F0BB-DE4B-95CE-6DB70DBA9567}" type="datetimeFigureOut">
               <a:rPr lang="en-US" smtClean="0"/>
               <a:pPr/>
-              <a:t>12/11/2016</a:t>
+              <a:t>12/12/2016</a:t>
             </a:fld>
             <a:endParaRPr lang="en-US" dirty="0"/>
           </a:p>
@@ -3137,7 +3137,7 @@
             <a:fld id="{B61BEF0D-F0BB-DE4B-95CE-6DB70DBA9567}" type="datetimeFigureOut">
               <a:rPr lang="en-US" smtClean="0"/>
               <a:pPr/>
-              <a:t>12/11/2016</a:t>
+              <a:t>12/12/2016</a:t>
             </a:fld>
             <a:endParaRPr lang="en-US" dirty="0"/>
           </a:p>
@@ -3309,7 +3309,7 @@
             <a:fld id="{B61BEF0D-F0BB-DE4B-95CE-6DB70DBA9567}" type="datetimeFigureOut">
               <a:rPr lang="en-US" smtClean="0"/>
               <a:pPr/>
-              <a:t>12/11/2016</a:t>
+              <a:t>12/12/2016</a:t>
             </a:fld>
             <a:endParaRPr lang="en-US" dirty="0"/>
           </a:p>
@@ -3562,7 +3562,7 @@
             <a:fld id="{B61BEF0D-F0BB-DE4B-95CE-6DB70DBA9567}" type="datetimeFigureOut">
               <a:rPr lang="en-US" smtClean="0"/>
               <a:pPr/>
-              <a:t>12/11/2016</a:t>
+              <a:t>12/12/2016</a:t>
             </a:fld>
             <a:endParaRPr lang="en-US" dirty="0"/>
           </a:p>
@@ -3861,7 +3861,7 @@
             <a:fld id="{B61BEF0D-F0BB-DE4B-95CE-6DB70DBA9567}" type="datetimeFigureOut">
               <a:rPr lang="en-US" smtClean="0"/>
               <a:pPr/>
-              <a:t>12/11/2016</a:t>
+              <a:t>12/12/2016</a:t>
             </a:fld>
             <a:endParaRPr lang="en-US" dirty="0"/>
           </a:p>
@@ -4305,7 +4305,7 @@
             <a:fld id="{B61BEF0D-F0BB-DE4B-95CE-6DB70DBA9567}" type="datetimeFigureOut">
               <a:rPr lang="en-US" smtClean="0"/>
               <a:pPr/>
-              <a:t>12/11/2016</a:t>
+              <a:t>12/12/2016</a:t>
             </a:fld>
             <a:endParaRPr lang="en-US" dirty="0"/>
           </a:p>
@@ -4425,7 +4425,7 @@
             <a:fld id="{B61BEF0D-F0BB-DE4B-95CE-6DB70DBA9567}" type="datetimeFigureOut">
               <a:rPr lang="en-US" smtClean="0"/>
               <a:pPr/>
-              <a:t>12/11/2016</a:t>
+              <a:t>12/12/2016</a:t>
             </a:fld>
             <a:endParaRPr lang="en-US" dirty="0"/>
           </a:p>
@@ -4522,7 +4522,7 @@
             <a:fld id="{B61BEF0D-F0BB-DE4B-95CE-6DB70DBA9567}" type="datetimeFigureOut">
               <a:rPr lang="en-US" smtClean="0"/>
               <a:pPr/>
-              <a:t>12/11/2016</a:t>
+              <a:t>12/12/2016</a:t>
             </a:fld>
             <a:endParaRPr lang="en-US" dirty="0"/>
           </a:p>
@@ -4807,7 +4807,7 @@
             <a:fld id="{B61BEF0D-F0BB-DE4B-95CE-6DB70DBA9567}" type="datetimeFigureOut">
               <a:rPr lang="en-US" smtClean="0"/>
               <a:pPr/>
-              <a:t>12/11/2016</a:t>
+              <a:t>12/12/2016</a:t>
             </a:fld>
             <a:endParaRPr lang="en-US" dirty="0"/>
           </a:p>
@@ -5100,7 +5100,7 @@
             <a:fld id="{B61BEF0D-F0BB-DE4B-95CE-6DB70DBA9567}" type="datetimeFigureOut">
               <a:rPr lang="en-US" smtClean="0"/>
               <a:pPr/>
-              <a:t>12/11/2016</a:t>
+              <a:t>12/12/2016</a:t>
             </a:fld>
             <a:endParaRPr lang="en-US" dirty="0"/>
           </a:p>
@@ -5471,7 +5471,7 @@
             <a:fld id="{B61BEF0D-F0BB-DE4B-95CE-6DB70DBA9567}" type="datetimeFigureOut">
               <a:rPr lang="en-US" smtClean="0"/>
               <a:pPr/>
-              <a:t>12/11/2016</a:t>
+              <a:t>12/12/2016</a:t>
             </a:fld>
             <a:endParaRPr lang="en-US" dirty="0"/>
           </a:p>
@@ -6042,7 +6042,10 @@
           <a:bodyPr/>
           <a:lstStyle/>
           <a:p>
-            <a:endParaRPr lang="en-GB" dirty="0"/>
+            <a:r>
+              <a:rPr lang="en-GB" dirty="0"/>
+              <a:t>So far…</a:t>
+            </a:r>
           </a:p>
         </p:txBody>
       </p:sp>
@@ -6080,13 +6083,13 @@
   <p:clrMapOvr>
     <a:masterClrMapping/>
   </p:clrMapOvr>
-  <mc:AlternateContent xmlns:mc="http://schemas.openxmlformats.org/markup-compatibility/2006">
-    <mc:Choice xmlns:p14="http://schemas.microsoft.com/office/powerpoint/2010/main" Requires="p14">
+  <mc:AlternateContent xmlns:mc="http://schemas.openxmlformats.org/markup-compatibility/2006" xmlns:p14="http://schemas.microsoft.com/office/powerpoint/2010/main">
+    <mc:Choice Requires="p14">
       <p:transition spd="med" p14:dur="700">
         <p:fade/>
       </p:transition>
     </mc:Choice>
-    <mc:Fallback>
+    <mc:Fallback xmlns="">
       <p:transition spd="med">
         <p:fade/>
       </p:transition>
@@ -9380,13 +9383,13 @@
   <p:clrMapOvr>
     <a:masterClrMapping/>
   </p:clrMapOvr>
-  <mc:AlternateContent xmlns:mc="http://schemas.openxmlformats.org/markup-compatibility/2006">
-    <mc:Choice xmlns:p14="http://schemas.microsoft.com/office/powerpoint/2010/main" Requires="p14">
+  <mc:AlternateContent xmlns:mc="http://schemas.openxmlformats.org/markup-compatibility/2006" xmlns:p14="http://schemas.microsoft.com/office/powerpoint/2010/main">
+    <mc:Choice Requires="p14">
       <p:transition spd="slow" p14:dur="1250">
         <p14:flip dir="r"/>
       </p:transition>
     </mc:Choice>
-    <mc:Fallback>
+    <mc:Fallback xmlns="">
       <p:transition spd="slow">
         <p:fade/>
       </p:transition>
@@ -9509,13 +9512,13 @@
   <p:clrMapOvr>
     <a:masterClrMapping/>
   </p:clrMapOvr>
-  <mc:AlternateContent xmlns:mc="http://schemas.openxmlformats.org/markup-compatibility/2006">
-    <mc:Choice xmlns:p14="http://schemas.microsoft.com/office/powerpoint/2010/main" Requires="p14">
+  <mc:AlternateContent xmlns:mc="http://schemas.openxmlformats.org/markup-compatibility/2006" xmlns:p14="http://schemas.microsoft.com/office/powerpoint/2010/main">
+    <mc:Choice Requires="p14">
       <p:transition spd="slow" p14:dur="1250">
         <p14:flip dir="r"/>
       </p:transition>
     </mc:Choice>
-    <mc:Fallback>
+    <mc:Fallback xmlns="">
       <p:transition spd="slow">
         <p:fade/>
       </p:transition>
@@ -9596,13 +9599,13 @@
   <p:clrMapOvr>
     <a:masterClrMapping/>
   </p:clrMapOvr>
-  <mc:AlternateContent xmlns:mc="http://schemas.openxmlformats.org/markup-compatibility/2006">
-    <mc:Choice xmlns:p14="http://schemas.microsoft.com/office/powerpoint/2010/main" Requires="p14">
+  <mc:AlternateContent xmlns:mc="http://schemas.openxmlformats.org/markup-compatibility/2006" xmlns:p14="http://schemas.microsoft.com/office/powerpoint/2010/main">
+    <mc:Choice Requires="p14">
       <p:transition spd="slow" p14:dur="1250">
         <p14:flip dir="r"/>
       </p:transition>
     </mc:Choice>
-    <mc:Fallback>
+    <mc:Fallback xmlns="">
       <p:transition spd="slow">
         <p:fade/>
       </p:transition>
@@ -10010,13 +10013,13 @@
   <p:clrMapOvr>
     <a:masterClrMapping/>
   </p:clrMapOvr>
-  <mc:AlternateContent xmlns:mc="http://schemas.openxmlformats.org/markup-compatibility/2006">
-    <mc:Choice xmlns:p14="http://schemas.microsoft.com/office/powerpoint/2010/main" Requires="p14">
+  <mc:AlternateContent xmlns:mc="http://schemas.openxmlformats.org/markup-compatibility/2006" xmlns:p14="http://schemas.microsoft.com/office/powerpoint/2010/main">
+    <mc:Choice Requires="p14">
       <p:transition spd="slow" p14:dur="1250">
         <p14:flip dir="r"/>
       </p:transition>
     </mc:Choice>
-    <mc:Fallback>
+    <mc:Fallback xmlns="">
       <p:transition spd="slow">
         <p:fade/>
       </p:transition>
@@ -10623,13 +10626,13 @@
   <p:clrMapOvr>
     <a:masterClrMapping/>
   </p:clrMapOvr>
-  <mc:AlternateContent xmlns:mc="http://schemas.openxmlformats.org/markup-compatibility/2006">
-    <mc:Choice xmlns:p14="http://schemas.microsoft.com/office/powerpoint/2010/main" Requires="p14">
+  <mc:AlternateContent xmlns:mc="http://schemas.openxmlformats.org/markup-compatibility/2006" xmlns:p14="http://schemas.microsoft.com/office/powerpoint/2010/main">
+    <mc:Choice Requires="p14">
       <p:transition spd="slow" p14:dur="1250">
         <p14:flip dir="r"/>
       </p:transition>
     </mc:Choice>
-    <mc:Fallback>
+    <mc:Fallback xmlns="">
       <p:transition spd="slow">
         <p:fade/>
       </p:transition>

--- a/Presentation.pptx
+++ b/Presentation.pptx
@@ -10,8 +10,9 @@
     <p:sldId id="257" r:id="rId4"/>
     <p:sldId id="258" r:id="rId5"/>
     <p:sldId id="260" r:id="rId6"/>
-    <p:sldId id="261" r:id="rId7"/>
-    <p:sldId id="262" r:id="rId8"/>
+    <p:sldId id="263" r:id="rId7"/>
+    <p:sldId id="261" r:id="rId8"/>
+    <p:sldId id="262" r:id="rId9"/>
   </p:sldIdLst>
   <p:sldSz cx="12192000" cy="6858000"/>
   <p:notesSz cx="6858000" cy="9144000"/>
@@ -9641,6 +9642,100 @@
             <p:ph type="title"/>
           </p:nvPr>
         </p:nvSpPr>
+        <p:spPr/>
+        <p:txBody>
+          <a:bodyPr/>
+          <a:lstStyle/>
+          <a:p>
+            <a:r>
+              <a:rPr lang="en-GB" dirty="0"/>
+              <a:t>Redundancies</a:t>
+            </a:r>
+          </a:p>
+        </p:txBody>
+      </p:sp>
+      <p:sp>
+        <p:nvSpPr>
+          <p:cNvPr id="3" name="Content Placeholder 2"/>
+          <p:cNvSpPr>
+            <a:spLocks noGrp="1"/>
+          </p:cNvSpPr>
+          <p:nvPr>
+            <p:ph idx="1"/>
+          </p:nvPr>
+        </p:nvSpPr>
+        <p:spPr/>
+        <p:txBody>
+          <a:bodyPr/>
+          <a:lstStyle/>
+          <a:p>
+            <a:r>
+              <a:rPr lang="en-GB" dirty="0"/>
+              <a:t>The use of Volumes – can be backed up elsewhere – NAS, Offsite, etc.</a:t>
+            </a:r>
+          </a:p>
+          <a:p>
+            <a:r>
+              <a:rPr lang="en-GB" dirty="0"/>
+              <a:t>The use of storage containers</a:t>
+            </a:r>
+          </a:p>
+          <a:p>
+            <a:endParaRPr lang="en-GB" dirty="0"/>
+          </a:p>
+          <a:p>
+            <a:r>
+              <a:rPr lang="en-GB" dirty="0"/>
+              <a:t>No data is theoretically lost should a container </a:t>
+            </a:r>
+            <a:r>
+              <a:rPr lang="en-GB"/>
+              <a:t>go down.</a:t>
+            </a:r>
+            <a:endParaRPr lang="en-GB" dirty="0"/>
+          </a:p>
+        </p:txBody>
+      </p:sp>
+    </p:spTree>
+    <p:extLst>
+      <p:ext uri="{BB962C8B-B14F-4D97-AF65-F5344CB8AC3E}">
+        <p14:creationId xmlns:p14="http://schemas.microsoft.com/office/powerpoint/2010/main" val="1287859174"/>
+      </p:ext>
+    </p:extLst>
+  </p:cSld>
+  <p:clrMapOvr>
+    <a:masterClrMapping/>
+  </p:clrMapOvr>
+</p:sld>
+</file>
+
+<file path=ppt/slides/slide7.xml><?xml version="1.0" encoding="utf-8"?>
+<p:sld xmlns:a="http://schemas.openxmlformats.org/drawingml/2006/main" xmlns:r="http://schemas.openxmlformats.org/officeDocument/2006/relationships" xmlns:p="http://schemas.openxmlformats.org/presentationml/2006/main">
+  <p:cSld>
+    <p:spTree>
+      <p:nvGrpSpPr>
+        <p:cNvPr id="1" name=""/>
+        <p:cNvGrpSpPr/>
+        <p:nvPr/>
+      </p:nvGrpSpPr>
+      <p:grpSpPr>
+        <a:xfrm>
+          <a:off x="0" y="0"/>
+          <a:ext cx="0" cy="0"/>
+          <a:chOff x="0" y="0"/>
+          <a:chExt cx="0" cy="0"/>
+        </a:xfrm>
+      </p:grpSpPr>
+      <p:sp>
+        <p:nvSpPr>
+          <p:cNvPr id="2" name="Title 1"/>
+          <p:cNvSpPr>
+            <a:spLocks noGrp="1"/>
+          </p:cNvSpPr>
+          <p:nvPr>
+            <p:ph type="title"/>
+          </p:nvPr>
+        </p:nvSpPr>
         <p:spPr>
           <a:xfrm>
             <a:off x="1484311" y="1733107"/>
@@ -10527,7 +10622,7 @@
 </p:sld>
 </file>
 
-<file path=ppt/slides/slide7.xml><?xml version="1.0" encoding="utf-8"?>
+<file path=ppt/slides/slide8.xml><?xml version="1.0" encoding="utf-8"?>
 <p:sld xmlns:a="http://schemas.openxmlformats.org/drawingml/2006/main" xmlns:r="http://schemas.openxmlformats.org/officeDocument/2006/relationships" xmlns:p="http://schemas.openxmlformats.org/presentationml/2006/main">
   <p:cSld>
     <p:spTree>
@@ -10588,30 +10683,24 @@
           </a:p>
           <a:p>
             <a:r>
-              <a:rPr lang="en-GB" dirty="0"/>
-              <a:t>The use of Volumes</a:t>
-            </a:r>
-          </a:p>
-          <a:p>
-            <a:r>
               <a:rPr lang="en-GB" dirty="0" err="1"/>
               <a:t>Urbancode</a:t>
             </a:r>
             <a:r>
               <a:rPr lang="en-GB" dirty="0"/>
-              <a:t> deploy with the use of MySQL</a:t>
+              <a:t> (If there is a IBM update) deploy with the use of MySQL</a:t>
             </a:r>
           </a:p>
           <a:p>
             <a:r>
               <a:rPr lang="en-GB" dirty="0"/>
-              <a:t>Puppet Enterprise</a:t>
+              <a:t>Puppet Enterprise ?</a:t>
             </a:r>
           </a:p>
           <a:p>
             <a:r>
               <a:rPr lang="en-GB" dirty="0"/>
-              <a:t>The dreaded Postfix of doom </a:t>
+              <a:t>The dreaded Postfix of doom – Properly  </a:t>
             </a:r>
           </a:p>
         </p:txBody>

--- a/Presentation.pptx
+++ b/Presentation.pptx
@@ -9675,9 +9675,16 @@
             </a:r>
           </a:p>
           <a:p>
+            <a:pPr lvl="1"/>
             <a:r>
               <a:rPr lang="en-GB" dirty="0"/>
-              <a:t>The use of storage containers</a:t>
+              <a:t>Downside – potentially huge entrypoint.sh </a:t>
+            </a:r>
+          </a:p>
+          <a:p>
+            <a:r>
+              <a:rPr lang="en-GB" dirty="0"/>
+              <a:t>The use of storage containers (No longer recommended)</a:t>
             </a:r>
           </a:p>
           <a:p>
@@ -9686,13 +9693,8 @@
           <a:p>
             <a:r>
               <a:rPr lang="en-GB" dirty="0"/>
-              <a:t>No data is theoretically lost should a container </a:t>
-            </a:r>
-            <a:r>
-              <a:rPr lang="en-GB"/>
-              <a:t>go down.</a:t>
-            </a:r>
-            <a:endParaRPr lang="en-GB" dirty="0"/>
+              <a:t>No data is theoretically lost should a container go down.</a:t>
+            </a:r>
           </a:p>
         </p:txBody>
       </p:sp>

--- a/Presentation.pptx
+++ b/Presentation.pptx
@@ -9767,13 +9767,13 @@
         </p:nvSpPr>
         <p:spPr>
           <a:xfrm>
-            <a:off x="1484310" y="2932819"/>
-            <a:ext cx="10707690" cy="3788615"/>
+            <a:off x="1484310" y="2438399"/>
+            <a:ext cx="10707690" cy="4283035"/>
           </a:xfrm>
         </p:spPr>
         <p:txBody>
           <a:bodyPr>
-            <a:normAutofit fontScale="77500" lnSpcReduction="20000"/>
+            <a:normAutofit fontScale="70000" lnSpcReduction="20000"/>
           </a:bodyPr>
           <a:lstStyle/>
           <a:p>
@@ -9920,6 +9920,23 @@
           <a:p>
             <a:r>
               <a:rPr lang="en-GB" dirty="0"/>
+              <a:t>MySQL Data Volumes – reinitialization issues</a:t>
+            </a:r>
+          </a:p>
+          <a:p>
+            <a:pPr lvl="1"/>
+            <a:r>
+              <a:rPr lang="en-GB" dirty="0"/>
+              <a:t>Seems reset to default, root no longer has a password, database inaccessible despite having correct accounts.</a:t>
+            </a:r>
+          </a:p>
+          <a:p>
+            <a:pPr lvl="1"/>
+            <a:endParaRPr lang="en-GB" dirty="0"/>
+          </a:p>
+          <a:p>
+            <a:r>
+              <a:rPr lang="en-GB" dirty="0"/>
               <a:t>Postfix – Since I don’t know</a:t>
             </a:r>
           </a:p>
@@ -9936,10 +9953,6 @@
               <a:rPr lang="en-GB" dirty="0"/>
               <a:t>Seems to involve a lot of configuration and managing certificates.</a:t>
             </a:r>
-          </a:p>
-          <a:p>
-            <a:pPr lvl="1"/>
-            <a:endParaRPr lang="en-GB" dirty="0"/>
           </a:p>
         </p:txBody>
       </p:sp>
@@ -10082,7 +10095,7 @@
         </p:blipFill>
         <p:spPr bwMode="auto">
           <a:xfrm>
-            <a:off x="9088258" y="4157560"/>
+            <a:off x="9173317" y="3466445"/>
             <a:ext cx="2640968" cy="1756351"/>
           </a:xfrm>
           <a:prstGeom prst="rect">
@@ -10680,7 +10693,13 @@
           <a:p>
             <a:r>
               <a:rPr lang="en-GB" dirty="0"/>
-              <a:t>Data redundancies via the use of storage containers</a:t>
+              <a:t>More research into how to use Volumes properly, especially with MySQL</a:t>
+            </a:r>
+          </a:p>
+          <a:p>
+            <a:r>
+              <a:rPr lang="en-GB" dirty="0"/>
+              <a:t>Making other applications and services utilise Volumes</a:t>
             </a:r>
           </a:p>
           <a:p>
@@ -10695,9 +10714,10 @@
           </a:p>
           <a:p>
             <a:r>
-              <a:rPr lang="en-GB" dirty="0"/>
-              <a:t>Puppet Enterprise ?</a:t>
-            </a:r>
+              <a:rPr lang="en-GB"/>
+              <a:t>Puppet Enterprise</a:t>
+            </a:r>
+            <a:endParaRPr lang="en-GB" dirty="0"/>
           </a:p>
           <a:p>
             <a:r>

--- a/Presentation.pptx
+++ b/Presentation.pptx
@@ -13,6 +13,7 @@
     <p:sldId id="263" r:id="rId7"/>
     <p:sldId id="261" r:id="rId8"/>
     <p:sldId id="262" r:id="rId9"/>
+    <p:sldId id="264" r:id="rId10"/>
   </p:sldIdLst>
   <p:sldSz cx="12192000" cy="6858000"/>
   <p:notesSz cx="6858000" cy="9144000"/>
@@ -282,7 +283,7 @@
             <a:fld id="{B61BEF0D-F0BB-DE4B-95CE-6DB70DBA9567}" type="datetimeFigureOut">
               <a:rPr lang="en-US" smtClean="0"/>
               <a:pPr/>
-              <a:t>12/12/2016</a:t>
+              <a:t>12/13/2016</a:t>
             </a:fld>
             <a:endParaRPr lang="en-US" dirty="0"/>
           </a:p>
@@ -905,7 +906,7 @@
             <a:fld id="{B61BEF0D-F0BB-DE4B-95CE-6DB70DBA9567}" type="datetimeFigureOut">
               <a:rPr lang="en-US" smtClean="0"/>
               <a:pPr/>
-              <a:t>12/12/2016</a:t>
+              <a:t>12/13/2016</a:t>
             </a:fld>
             <a:endParaRPr lang="en-US" dirty="0"/>
           </a:p>
@@ -1155,7 +1156,7 @@
             <a:fld id="{B61BEF0D-F0BB-DE4B-95CE-6DB70DBA9567}" type="datetimeFigureOut">
               <a:rPr lang="en-US" smtClean="0"/>
               <a:pPr/>
-              <a:t>12/12/2016</a:t>
+              <a:t>12/13/2016</a:t>
             </a:fld>
             <a:endParaRPr lang="en-US" dirty="0"/>
           </a:p>
@@ -1697,7 +1698,7 @@
             <a:fld id="{B61BEF0D-F0BB-DE4B-95CE-6DB70DBA9567}" type="datetimeFigureOut">
               <a:rPr lang="en-US" smtClean="0"/>
               <a:pPr/>
-              <a:t>12/12/2016</a:t>
+              <a:t>12/13/2016</a:t>
             </a:fld>
             <a:endParaRPr lang="en-US" dirty="0"/>
           </a:p>
@@ -1947,7 +1948,7 @@
             <a:fld id="{B61BEF0D-F0BB-DE4B-95CE-6DB70DBA9567}" type="datetimeFigureOut">
               <a:rPr lang="en-US" smtClean="0"/>
               <a:pPr/>
-              <a:t>12/12/2016</a:t>
+              <a:t>12/13/2016</a:t>
             </a:fld>
             <a:endParaRPr lang="en-US" dirty="0"/>
           </a:p>
@@ -2481,7 +2482,7 @@
             <a:fld id="{B61BEF0D-F0BB-DE4B-95CE-6DB70DBA9567}" type="datetimeFigureOut">
               <a:rPr lang="en-US" smtClean="0"/>
               <a:pPr/>
-              <a:t>12/12/2016</a:t>
+              <a:t>12/13/2016</a:t>
             </a:fld>
             <a:endParaRPr lang="en-US" dirty="0"/>
           </a:p>
@@ -2780,7 +2781,7 @@
             <a:fld id="{B61BEF0D-F0BB-DE4B-95CE-6DB70DBA9567}" type="datetimeFigureOut">
               <a:rPr lang="en-US" smtClean="0"/>
               <a:pPr/>
-              <a:t>12/12/2016</a:t>
+              <a:t>12/13/2016</a:t>
             </a:fld>
             <a:endParaRPr lang="en-US" dirty="0"/>
           </a:p>
@@ -2956,7 +2957,7 @@
             <a:fld id="{B61BEF0D-F0BB-DE4B-95CE-6DB70DBA9567}" type="datetimeFigureOut">
               <a:rPr lang="en-US" smtClean="0"/>
               <a:pPr/>
-              <a:t>12/12/2016</a:t>
+              <a:t>12/13/2016</a:t>
             </a:fld>
             <a:endParaRPr lang="en-US" dirty="0"/>
           </a:p>
@@ -3138,7 +3139,7 @@
             <a:fld id="{B61BEF0D-F0BB-DE4B-95CE-6DB70DBA9567}" type="datetimeFigureOut">
               <a:rPr lang="en-US" smtClean="0"/>
               <a:pPr/>
-              <a:t>12/12/2016</a:t>
+              <a:t>12/13/2016</a:t>
             </a:fld>
             <a:endParaRPr lang="en-US" dirty="0"/>
           </a:p>
@@ -3310,7 +3311,7 @@
             <a:fld id="{B61BEF0D-F0BB-DE4B-95CE-6DB70DBA9567}" type="datetimeFigureOut">
               <a:rPr lang="en-US" smtClean="0"/>
               <a:pPr/>
-              <a:t>12/12/2016</a:t>
+              <a:t>12/13/2016</a:t>
             </a:fld>
             <a:endParaRPr lang="en-US" dirty="0"/>
           </a:p>
@@ -3563,7 +3564,7 @@
             <a:fld id="{B61BEF0D-F0BB-DE4B-95CE-6DB70DBA9567}" type="datetimeFigureOut">
               <a:rPr lang="en-US" smtClean="0"/>
               <a:pPr/>
-              <a:t>12/12/2016</a:t>
+              <a:t>12/13/2016</a:t>
             </a:fld>
             <a:endParaRPr lang="en-US" dirty="0"/>
           </a:p>
@@ -3862,7 +3863,7 @@
             <a:fld id="{B61BEF0D-F0BB-DE4B-95CE-6DB70DBA9567}" type="datetimeFigureOut">
               <a:rPr lang="en-US" smtClean="0"/>
               <a:pPr/>
-              <a:t>12/12/2016</a:t>
+              <a:t>12/13/2016</a:t>
             </a:fld>
             <a:endParaRPr lang="en-US" dirty="0"/>
           </a:p>
@@ -4306,7 +4307,7 @@
             <a:fld id="{B61BEF0D-F0BB-DE4B-95CE-6DB70DBA9567}" type="datetimeFigureOut">
               <a:rPr lang="en-US" smtClean="0"/>
               <a:pPr/>
-              <a:t>12/12/2016</a:t>
+              <a:t>12/13/2016</a:t>
             </a:fld>
             <a:endParaRPr lang="en-US" dirty="0"/>
           </a:p>
@@ -4426,7 +4427,7 @@
             <a:fld id="{B61BEF0D-F0BB-DE4B-95CE-6DB70DBA9567}" type="datetimeFigureOut">
               <a:rPr lang="en-US" smtClean="0"/>
               <a:pPr/>
-              <a:t>12/12/2016</a:t>
+              <a:t>12/13/2016</a:t>
             </a:fld>
             <a:endParaRPr lang="en-US" dirty="0"/>
           </a:p>
@@ -4523,7 +4524,7 @@
             <a:fld id="{B61BEF0D-F0BB-DE4B-95CE-6DB70DBA9567}" type="datetimeFigureOut">
               <a:rPr lang="en-US" smtClean="0"/>
               <a:pPr/>
-              <a:t>12/12/2016</a:t>
+              <a:t>12/13/2016</a:t>
             </a:fld>
             <a:endParaRPr lang="en-US" dirty="0"/>
           </a:p>
@@ -4808,7 +4809,7 @@
             <a:fld id="{B61BEF0D-F0BB-DE4B-95CE-6DB70DBA9567}" type="datetimeFigureOut">
               <a:rPr lang="en-US" smtClean="0"/>
               <a:pPr/>
-              <a:t>12/12/2016</a:t>
+              <a:t>12/13/2016</a:t>
             </a:fld>
             <a:endParaRPr lang="en-US" dirty="0"/>
           </a:p>
@@ -5101,7 +5102,7 @@
             <a:fld id="{B61BEF0D-F0BB-DE4B-95CE-6DB70DBA9567}" type="datetimeFigureOut">
               <a:rPr lang="en-US" smtClean="0"/>
               <a:pPr/>
-              <a:t>12/12/2016</a:t>
+              <a:t>12/13/2016</a:t>
             </a:fld>
             <a:endParaRPr lang="en-US" dirty="0"/>
           </a:p>
@@ -5472,7 +5473,7 @@
             <a:fld id="{B61BEF0D-F0BB-DE4B-95CE-6DB70DBA9567}" type="datetimeFigureOut">
               <a:rPr lang="en-US" smtClean="0"/>
               <a:pPr/>
-              <a:t>12/12/2016</a:t>
+              <a:t>12/13/2016</a:t>
             </a:fld>
             <a:endParaRPr lang="en-US" dirty="0"/>
           </a:p>
@@ -10714,10 +10715,9 @@
           </a:p>
           <a:p>
             <a:r>
-              <a:rPr lang="en-GB"/>
+              <a:rPr lang="en-GB" dirty="0"/>
               <a:t>Puppet Enterprise</a:t>
             </a:r>
-            <a:endParaRPr lang="en-GB" dirty="0"/>
           </a:p>
           <a:p>
             <a:r>
@@ -10749,6 +10749,123 @@
       </p:transition>
     </mc:Fallback>
   </mc:AlternateContent>
+</p:sld>
+</file>
+
+<file path=ppt/slides/slide9.xml><?xml version="1.0" encoding="utf-8"?>
+<p:sld xmlns:a="http://schemas.openxmlformats.org/drawingml/2006/main" xmlns:r="http://schemas.openxmlformats.org/officeDocument/2006/relationships" xmlns:p="http://schemas.openxmlformats.org/presentationml/2006/main">
+  <p:cSld>
+    <p:spTree>
+      <p:nvGrpSpPr>
+        <p:cNvPr id="1" name=""/>
+        <p:cNvGrpSpPr/>
+        <p:nvPr/>
+      </p:nvGrpSpPr>
+      <p:grpSpPr>
+        <a:xfrm>
+          <a:off x="0" y="0"/>
+          <a:ext cx="0" cy="0"/>
+          <a:chOff x="0" y="0"/>
+          <a:chExt cx="0" cy="0"/>
+        </a:xfrm>
+      </p:grpSpPr>
+      <p:sp>
+        <p:nvSpPr>
+          <p:cNvPr id="2" name="Title 1"/>
+          <p:cNvSpPr>
+            <a:spLocks noGrp="1"/>
+          </p:cNvSpPr>
+          <p:nvPr>
+            <p:ph type="title"/>
+          </p:nvPr>
+        </p:nvSpPr>
+        <p:spPr/>
+        <p:txBody>
+          <a:bodyPr/>
+          <a:lstStyle/>
+          <a:p>
+            <a:r>
+              <a:rPr lang="en-GB" dirty="0"/>
+              <a:t>Summary</a:t>
+            </a:r>
+          </a:p>
+        </p:txBody>
+      </p:sp>
+      <p:sp>
+        <p:nvSpPr>
+          <p:cNvPr id="3" name="Content Placeholder 2"/>
+          <p:cNvSpPr>
+            <a:spLocks noGrp="1"/>
+          </p:cNvSpPr>
+          <p:nvPr>
+            <p:ph idx="1"/>
+          </p:nvPr>
+        </p:nvSpPr>
+        <p:spPr>
+          <a:xfrm>
+            <a:off x="1484310" y="2666999"/>
+            <a:ext cx="10018713" cy="4063410"/>
+          </a:xfrm>
+        </p:spPr>
+        <p:txBody>
+          <a:bodyPr>
+            <a:normAutofit/>
+          </a:bodyPr>
+          <a:lstStyle/>
+          <a:p>
+            <a:r>
+              <a:rPr lang="en-GB" dirty="0"/>
+              <a:t>Listed modules to install</a:t>
+            </a:r>
+          </a:p>
+          <a:p>
+            <a:r>
+              <a:rPr lang="en-GB" dirty="0"/>
+              <a:t>Listed dependencies of modules</a:t>
+            </a:r>
+          </a:p>
+          <a:p>
+            <a:r>
+              <a:rPr lang="en-GB" dirty="0"/>
+              <a:t>Flow diagram of making modules</a:t>
+            </a:r>
+          </a:p>
+          <a:p>
+            <a:r>
+              <a:rPr lang="en-GB" dirty="0"/>
+              <a:t>The potential use of volumes</a:t>
+            </a:r>
+          </a:p>
+          <a:p>
+            <a:r>
+              <a:rPr lang="en-GB" dirty="0"/>
+              <a:t>The problems with some of the modules</a:t>
+            </a:r>
+          </a:p>
+          <a:p>
+            <a:r>
+              <a:rPr lang="en-GB" dirty="0"/>
+              <a:t>Things still to do</a:t>
+            </a:r>
+          </a:p>
+          <a:p>
+            <a:r>
+              <a:rPr lang="en-GB" dirty="0"/>
+              <a:t>This slide</a:t>
+            </a:r>
+          </a:p>
+        </p:txBody>
+      </p:sp>
+    </p:spTree>
+    <p:extLst>
+      <p:ext uri="{BB962C8B-B14F-4D97-AF65-F5344CB8AC3E}">
+        <p14:creationId xmlns:p14="http://schemas.microsoft.com/office/powerpoint/2010/main" val="1767556220"/>
+      </p:ext>
+    </p:extLst>
+  </p:cSld>
+  <p:clrMapOvr>
+    <a:masterClrMapping/>
+  </p:clrMapOvr>
 </p:sld>
 </file>
 
